--- a/Презентация и записка/Презентация.pptx
+++ b/Презентация и записка/Презентация.pptx
@@ -11,6 +11,12 @@
     <p:sldId id="259" r:id="rId5"/>
     <p:sldId id="260" r:id="rId6"/>
     <p:sldId id="261" r:id="rId7"/>
+    <p:sldId id="262" r:id="rId8"/>
+    <p:sldId id="263" r:id="rId9"/>
+    <p:sldId id="264" r:id="rId10"/>
+    <p:sldId id="265" r:id="rId11"/>
+    <p:sldId id="266" r:id="rId12"/>
+    <p:sldId id="267" r:id="rId13"/>
   </p:sldIdLst>
   <p:sldSz cx="12192000" cy="6858000"/>
   <p:notesSz cx="6858000" cy="9144000"/>
@@ -109,6 +115,11 @@
       </a:defRPr>
     </a:lvl9pPr>
   </p:defaultTextStyle>
+  <p:extLst>
+    <p:ext uri="{EFAFB233-063F-42B5-8137-9DF3F51BA10A}">
+      <p15:sldGuideLst xmlns:p15="http://schemas.microsoft.com/office/powerpoint/2012/main"/>
+    </p:ext>
+  </p:extLst>
 </p:presentation>
 </file>
 
@@ -5411,8 +5422,8 @@
           <a:lstStyle/>
           <a:p>
             <a:r>
-              <a:rPr lang="en-US" dirty="0" err="1"/>
-              <a:t>TranslatorSirius</a:t>
+              <a:rPr lang="en-US" dirty="0"/>
+              <a:t>Translator Sirius</a:t>
             </a:r>
             <a:endParaRPr lang="ru-RU" dirty="0"/>
           </a:p>
@@ -5463,6 +5474,334 @@
     <p:extLst>
       <p:ext uri="{BB962C8B-B14F-4D97-AF65-F5344CB8AC3E}">
         <p14:creationId xmlns:p14="http://schemas.microsoft.com/office/powerpoint/2010/main" val="1322087702"/>
+      </p:ext>
+    </p:extLst>
+  </p:cSld>
+  <p:clrMapOvr>
+    <a:masterClrMapping/>
+  </p:clrMapOvr>
+</p:sld>
+</file>
+
+<file path=ppt/slides/slide10.xml><?xml version="1.0" encoding="utf-8"?>
+<p:sld xmlns:a="http://schemas.openxmlformats.org/drawingml/2006/main" xmlns:r="http://schemas.openxmlformats.org/officeDocument/2006/relationships" xmlns:p="http://schemas.openxmlformats.org/presentationml/2006/main">
+  <p:cSld>
+    <p:spTree>
+      <p:nvGrpSpPr>
+        <p:cNvPr id="1" name=""/>
+        <p:cNvGrpSpPr/>
+        <p:nvPr/>
+      </p:nvGrpSpPr>
+      <p:grpSpPr>
+        <a:xfrm>
+          <a:off x="0" y="0"/>
+          <a:ext cx="0" cy="0"/>
+          <a:chOff x="0" y="0"/>
+          <a:chExt cx="0" cy="0"/>
+        </a:xfrm>
+      </p:grpSpPr>
+      <p:sp>
+        <p:nvSpPr>
+          <p:cNvPr id="2" name="Заголовок 1">
+            <a:extLst>
+              <a:ext uri="{FF2B5EF4-FFF2-40B4-BE49-F238E27FC236}">
+                <a16:creationId xmlns:a16="http://schemas.microsoft.com/office/drawing/2014/main" id="{813451CF-C794-42BA-8CB1-DBC2236FA5D3}"/>
+              </a:ext>
+            </a:extLst>
+          </p:cNvPr>
+          <p:cNvSpPr>
+            <a:spLocks noGrp="1"/>
+          </p:cNvSpPr>
+          <p:nvPr>
+            <p:ph type="title"/>
+          </p:nvPr>
+        </p:nvSpPr>
+        <p:spPr/>
+        <p:txBody>
+          <a:bodyPr/>
+          <a:lstStyle/>
+          <a:p>
+            <a:r>
+              <a:rPr lang="ru-RU" dirty="0"/>
+              <a:t>Озвучка перевода</a:t>
+            </a:r>
+          </a:p>
+        </p:txBody>
+      </p:sp>
+      <p:sp>
+        <p:nvSpPr>
+          <p:cNvPr id="3" name="Объект 2">
+            <a:extLst>
+              <a:ext uri="{FF2B5EF4-FFF2-40B4-BE49-F238E27FC236}">
+                <a16:creationId xmlns:a16="http://schemas.microsoft.com/office/drawing/2014/main" id="{D7F54DE8-EF7A-4255-BB8C-8E05245F9A65}"/>
+              </a:ext>
+            </a:extLst>
+          </p:cNvPr>
+          <p:cNvSpPr>
+            <a:spLocks noGrp="1"/>
+          </p:cNvSpPr>
+          <p:nvPr>
+            <p:ph idx="1"/>
+          </p:nvPr>
+        </p:nvSpPr>
+        <p:spPr>
+          <a:xfrm>
+            <a:off x="818712" y="2222288"/>
+            <a:ext cx="10754452" cy="1499968"/>
+          </a:xfrm>
+        </p:spPr>
+        <p:txBody>
+          <a:bodyPr/>
+          <a:lstStyle/>
+          <a:p>
+            <a:r>
+              <a:rPr lang="ru-RU" dirty="0"/>
+              <a:t>Отличительной особенностью бота является то, что он может присылать аудиозапись с озвучкой перевода по команде </a:t>
+            </a:r>
+            <a:r>
+              <a:rPr lang="en-US" dirty="0"/>
+              <a:t>/voice</a:t>
+            </a:r>
+            <a:r>
+              <a:rPr lang="ru-RU" dirty="0"/>
+              <a:t>. Максимальная длина озвучки – 100 символов, иначе загрузка звукового файла на сервере будет долгой.</a:t>
+            </a:r>
+          </a:p>
+        </p:txBody>
+      </p:sp>
+      <p:pic>
+        <p:nvPicPr>
+          <p:cNvPr id="5" name="Рисунок 4">
+            <a:extLst>
+              <a:ext uri="{FF2B5EF4-FFF2-40B4-BE49-F238E27FC236}">
+                <a16:creationId xmlns:a16="http://schemas.microsoft.com/office/drawing/2014/main" id="{178C04DE-E07C-4294-87DB-1607A5E62D09}"/>
+              </a:ext>
+            </a:extLst>
+          </p:cNvPr>
+          <p:cNvPicPr>
+            <a:picLocks noChangeAspect="1"/>
+          </p:cNvPicPr>
+          <p:nvPr/>
+        </p:nvPicPr>
+        <p:blipFill>
+          <a:blip r:embed="rId2"/>
+          <a:stretch>
+            <a:fillRect/>
+          </a:stretch>
+        </p:blipFill>
+        <p:spPr>
+          <a:xfrm>
+            <a:off x="1019031" y="3907271"/>
+            <a:ext cx="9858375" cy="1962150"/>
+          </a:xfrm>
+          <a:prstGeom prst="rect">
+            <a:avLst/>
+          </a:prstGeom>
+        </p:spPr>
+      </p:pic>
+    </p:spTree>
+    <p:extLst>
+      <p:ext uri="{BB962C8B-B14F-4D97-AF65-F5344CB8AC3E}">
+        <p14:creationId xmlns:p14="http://schemas.microsoft.com/office/powerpoint/2010/main" val="2367719436"/>
+      </p:ext>
+    </p:extLst>
+  </p:cSld>
+  <p:clrMapOvr>
+    <a:masterClrMapping/>
+  </p:clrMapOvr>
+</p:sld>
+</file>
+
+<file path=ppt/slides/slide11.xml><?xml version="1.0" encoding="utf-8"?>
+<p:sld xmlns:a="http://schemas.openxmlformats.org/drawingml/2006/main" xmlns:r="http://schemas.openxmlformats.org/officeDocument/2006/relationships" xmlns:p="http://schemas.openxmlformats.org/presentationml/2006/main">
+  <p:cSld>
+    <p:spTree>
+      <p:nvGrpSpPr>
+        <p:cNvPr id="1" name=""/>
+        <p:cNvGrpSpPr/>
+        <p:nvPr/>
+      </p:nvGrpSpPr>
+      <p:grpSpPr>
+        <a:xfrm>
+          <a:off x="0" y="0"/>
+          <a:ext cx="0" cy="0"/>
+          <a:chOff x="0" y="0"/>
+          <a:chExt cx="0" cy="0"/>
+        </a:xfrm>
+      </p:grpSpPr>
+      <p:sp>
+        <p:nvSpPr>
+          <p:cNvPr id="2" name="Заголовок 1">
+            <a:extLst>
+              <a:ext uri="{FF2B5EF4-FFF2-40B4-BE49-F238E27FC236}">
+                <a16:creationId xmlns:a16="http://schemas.microsoft.com/office/drawing/2014/main" id="{66B02AF3-2F03-4A0A-A1CF-0F9AEA51BC0E}"/>
+              </a:ext>
+            </a:extLst>
+          </p:cNvPr>
+          <p:cNvSpPr>
+            <a:spLocks noGrp="1"/>
+          </p:cNvSpPr>
+          <p:nvPr>
+            <p:ph type="title"/>
+          </p:nvPr>
+        </p:nvSpPr>
+        <p:spPr/>
+        <p:txBody>
+          <a:bodyPr/>
+          <a:lstStyle/>
+          <a:p>
+            <a:r>
+              <a:rPr lang="ru-RU" dirty="0"/>
+              <a:t>Перевод текста</a:t>
+            </a:r>
+          </a:p>
+        </p:txBody>
+      </p:sp>
+      <p:sp>
+        <p:nvSpPr>
+          <p:cNvPr id="3" name="Объект 2">
+            <a:extLst>
+              <a:ext uri="{FF2B5EF4-FFF2-40B4-BE49-F238E27FC236}">
+                <a16:creationId xmlns:a16="http://schemas.microsoft.com/office/drawing/2014/main" id="{426BE8DD-3B40-4EFD-A5F4-6903C222BBA5}"/>
+              </a:ext>
+            </a:extLst>
+          </p:cNvPr>
+          <p:cNvSpPr>
+            <a:spLocks noGrp="1"/>
+          </p:cNvSpPr>
+          <p:nvPr>
+            <p:ph idx="1"/>
+          </p:nvPr>
+        </p:nvSpPr>
+        <p:spPr>
+          <a:xfrm>
+            <a:off x="810000" y="2222288"/>
+            <a:ext cx="8731164" cy="1056622"/>
+          </a:xfrm>
+        </p:spPr>
+        <p:txBody>
+          <a:bodyPr/>
+          <a:lstStyle/>
+          <a:p>
+            <a:r>
+              <a:rPr lang="ru-RU" dirty="0"/>
+              <a:t>Перевод текста происходит по команде </a:t>
+            </a:r>
+            <a:r>
+              <a:rPr lang="en-US" dirty="0"/>
+              <a:t>/text</a:t>
+            </a:r>
+            <a:r>
+              <a:rPr lang="ru-RU" dirty="0"/>
+              <a:t>. Для этого так же идет запрос к </a:t>
+            </a:r>
+            <a:r>
+              <a:rPr lang="en-US" dirty="0"/>
+              <a:t>API Google Translate.</a:t>
+            </a:r>
+            <a:endParaRPr lang="ru-RU" dirty="0"/>
+          </a:p>
+        </p:txBody>
+      </p:sp>
+      <p:pic>
+        <p:nvPicPr>
+          <p:cNvPr id="5" name="Рисунок 4">
+            <a:extLst>
+              <a:ext uri="{FF2B5EF4-FFF2-40B4-BE49-F238E27FC236}">
+                <a16:creationId xmlns:a16="http://schemas.microsoft.com/office/drawing/2014/main" id="{B44469F1-0A72-4934-995D-369AA5AE9F77}"/>
+              </a:ext>
+            </a:extLst>
+          </p:cNvPr>
+          <p:cNvPicPr>
+            <a:picLocks noChangeAspect="1"/>
+          </p:cNvPicPr>
+          <p:nvPr/>
+        </p:nvPicPr>
+        <p:blipFill>
+          <a:blip r:embed="rId2"/>
+          <a:stretch>
+            <a:fillRect/>
+          </a:stretch>
+        </p:blipFill>
+        <p:spPr>
+          <a:xfrm>
+            <a:off x="810000" y="3579091"/>
+            <a:ext cx="10563462" cy="2226017"/>
+          </a:xfrm>
+          <a:prstGeom prst="rect">
+            <a:avLst/>
+          </a:prstGeom>
+        </p:spPr>
+      </p:pic>
+    </p:spTree>
+    <p:extLst>
+      <p:ext uri="{BB962C8B-B14F-4D97-AF65-F5344CB8AC3E}">
+        <p14:creationId xmlns:p14="http://schemas.microsoft.com/office/powerpoint/2010/main" val="2342911029"/>
+      </p:ext>
+    </p:extLst>
+  </p:cSld>
+  <p:clrMapOvr>
+    <a:masterClrMapping/>
+  </p:clrMapOvr>
+</p:sld>
+</file>
+
+<file path=ppt/slides/slide12.xml><?xml version="1.0" encoding="utf-8"?>
+<p:sld xmlns:a="http://schemas.openxmlformats.org/drawingml/2006/main" xmlns:r="http://schemas.openxmlformats.org/officeDocument/2006/relationships" xmlns:p="http://schemas.openxmlformats.org/presentationml/2006/main">
+  <p:cSld>
+    <p:spTree>
+      <p:nvGrpSpPr>
+        <p:cNvPr id="1" name=""/>
+        <p:cNvGrpSpPr/>
+        <p:nvPr/>
+      </p:nvGrpSpPr>
+      <p:grpSpPr>
+        <a:xfrm>
+          <a:off x="0" y="0"/>
+          <a:ext cx="0" cy="0"/>
+          <a:chOff x="0" y="0"/>
+          <a:chExt cx="0" cy="0"/>
+        </a:xfrm>
+      </p:grpSpPr>
+      <p:sp>
+        <p:nvSpPr>
+          <p:cNvPr id="4" name="TextBox 3">
+            <a:extLst>
+              <a:ext uri="{FF2B5EF4-FFF2-40B4-BE49-F238E27FC236}">
+                <a16:creationId xmlns:a16="http://schemas.microsoft.com/office/drawing/2014/main" id="{4E7C5BCE-AED6-4F00-B246-9EFB05C6D11F}"/>
+              </a:ext>
+            </a:extLst>
+          </p:cNvPr>
+          <p:cNvSpPr txBox="1"/>
+          <p:nvPr/>
+        </p:nvSpPr>
+        <p:spPr>
+          <a:xfrm>
+            <a:off x="729672" y="2650837"/>
+            <a:ext cx="11240655" cy="1200329"/>
+          </a:xfrm>
+          <a:prstGeom prst="rect">
+            <a:avLst/>
+          </a:prstGeom>
+          <a:noFill/>
+        </p:spPr>
+        <p:txBody>
+          <a:bodyPr wrap="square" rtlCol="0">
+            <a:spAutoFit/>
+          </a:bodyPr>
+          <a:lstStyle/>
+          <a:p>
+            <a:r>
+              <a:rPr lang="ru-RU" sz="7200" b="1" dirty="0"/>
+              <a:t>Спасибо за внимание!</a:t>
+            </a:r>
+          </a:p>
+        </p:txBody>
+      </p:sp>
+    </p:spTree>
+    <p:extLst>
+      <p:ext uri="{BB962C8B-B14F-4D97-AF65-F5344CB8AC3E}">
+        <p14:creationId xmlns:p14="http://schemas.microsoft.com/office/powerpoint/2010/main" val="1869783180"/>
       </p:ext>
     </p:extLst>
   </p:cSld>
@@ -5540,9 +5879,22 @@
           </a:bodyPr>
           <a:lstStyle/>
           <a:p>
-            <a:r>
-              <a:rPr lang="ru-RU" sz="3200" dirty="0"/>
-              <a:t>Создать рабочий переводчик в виде бота в телеграмме и десктопного приложения с удобным и практичным интерфейсом</a:t>
+            <a:pPr>
+              <a:lnSpc>
+                <a:spcPct val="106000"/>
+              </a:lnSpc>
+              <a:spcAft>
+                <a:spcPts val="800"/>
+              </a:spcAft>
+            </a:pPr>
+            <a:r>
+              <a:rPr lang="ru-RU" sz="3200" dirty="0">
+                <a:effectLst/>
+                <a:latin typeface="Calibri" panose="020F0502020204030204" pitchFamily="34" charset="0"/>
+                <a:ea typeface="Calibri" panose="020F0502020204030204" pitchFamily="34" charset="0"/>
+                <a:cs typeface="Times New Roman" panose="02020603050405020304" pitchFamily="18" charset="0"/>
+              </a:rPr>
+              <a:t>Переводчик в виде бота в Телеграмм с возможностью отправки озвучки пользователю и десктопного приложения c удобным и практичным интерфейсом, с возможностью озвучивать и копировать перевод. Поддерживается 100+ языков.</a:t>
             </a:r>
           </a:p>
         </p:txBody>
@@ -5600,7 +5952,7 @@
           <a:p>
             <a:r>
               <a:rPr lang="ru-RU" dirty="0"/>
-              <a:t>Выбор языка</a:t>
+              <a:t>Десктопное приложение. Выбор языка</a:t>
             </a:r>
           </a:p>
         </p:txBody>
@@ -6063,7 +6415,7 @@
         </p:blipFill>
         <p:spPr>
           <a:xfrm>
-            <a:off x="3721487" y="3147581"/>
+            <a:off x="3721488" y="3147581"/>
             <a:ext cx="4749024" cy="3553399"/>
           </a:xfrm>
           <a:prstGeom prst="rect">
@@ -6075,6 +6427,455 @@
     <p:extLst>
       <p:ext uri="{BB962C8B-B14F-4D97-AF65-F5344CB8AC3E}">
         <p14:creationId xmlns:p14="http://schemas.microsoft.com/office/powerpoint/2010/main" val="3681236470"/>
+      </p:ext>
+    </p:extLst>
+  </p:cSld>
+  <p:clrMapOvr>
+    <a:masterClrMapping/>
+  </p:clrMapOvr>
+</p:sld>
+</file>
+
+<file path=ppt/slides/slide7.xml><?xml version="1.0" encoding="utf-8"?>
+<p:sld xmlns:a="http://schemas.openxmlformats.org/drawingml/2006/main" xmlns:r="http://schemas.openxmlformats.org/officeDocument/2006/relationships" xmlns:p="http://schemas.openxmlformats.org/presentationml/2006/main">
+  <p:cSld>
+    <p:spTree>
+      <p:nvGrpSpPr>
+        <p:cNvPr id="1" name=""/>
+        <p:cNvGrpSpPr/>
+        <p:nvPr/>
+      </p:nvGrpSpPr>
+      <p:grpSpPr>
+        <a:xfrm>
+          <a:off x="0" y="0"/>
+          <a:ext cx="0" cy="0"/>
+          <a:chOff x="0" y="0"/>
+          <a:chExt cx="0" cy="0"/>
+        </a:xfrm>
+      </p:grpSpPr>
+      <p:sp>
+        <p:nvSpPr>
+          <p:cNvPr id="2" name="Заголовок 1">
+            <a:extLst>
+              <a:ext uri="{FF2B5EF4-FFF2-40B4-BE49-F238E27FC236}">
+                <a16:creationId xmlns:a16="http://schemas.microsoft.com/office/drawing/2014/main" id="{CB43C398-A8D3-4282-99A7-FE03504A0005}"/>
+              </a:ext>
+            </a:extLst>
+          </p:cNvPr>
+          <p:cNvSpPr>
+            <a:spLocks noGrp="1"/>
+          </p:cNvSpPr>
+          <p:nvPr>
+            <p:ph type="title"/>
+          </p:nvPr>
+        </p:nvSpPr>
+        <p:spPr/>
+        <p:txBody>
+          <a:bodyPr/>
+          <a:lstStyle/>
+          <a:p>
+            <a:r>
+              <a:rPr lang="ru-RU" dirty="0"/>
+              <a:t>Бот телеграмм. Приветствие и помощь</a:t>
+            </a:r>
+          </a:p>
+        </p:txBody>
+      </p:sp>
+      <p:sp>
+        <p:nvSpPr>
+          <p:cNvPr id="3" name="Объект 2">
+            <a:extLst>
+              <a:ext uri="{FF2B5EF4-FFF2-40B4-BE49-F238E27FC236}">
+                <a16:creationId xmlns:a16="http://schemas.microsoft.com/office/drawing/2014/main" id="{E08174ED-5DD7-4B88-A9C0-C754288E8566}"/>
+              </a:ext>
+            </a:extLst>
+          </p:cNvPr>
+          <p:cNvSpPr>
+            <a:spLocks noGrp="1"/>
+          </p:cNvSpPr>
+          <p:nvPr>
+            <p:ph idx="1"/>
+          </p:nvPr>
+        </p:nvSpPr>
+        <p:spPr>
+          <a:xfrm>
+            <a:off x="670930" y="932413"/>
+            <a:ext cx="10554574" cy="3636511"/>
+          </a:xfrm>
+        </p:spPr>
+        <p:txBody>
+          <a:bodyPr/>
+          <a:lstStyle/>
+          <a:p>
+            <a:r>
+              <a:rPr lang="ru-RU" dirty="0"/>
+              <a:t>В начале работы по команде </a:t>
+            </a:r>
+            <a:r>
+              <a:rPr lang="en-US" dirty="0"/>
+              <a:t>/start </a:t>
+            </a:r>
+            <a:r>
+              <a:rPr lang="ru-RU" dirty="0"/>
+              <a:t>бот (</a:t>
+            </a:r>
+            <a:r>
+              <a:rPr lang="en-US" dirty="0"/>
+              <a:t>@translatorsiriusbot</a:t>
+            </a:r>
+            <a:r>
+              <a:rPr lang="ru-RU" dirty="0"/>
+              <a:t>) доброжелательно нас приветствует. А если мы забыли его функционал, он подскажет нам его по команде </a:t>
+            </a:r>
+            <a:r>
+              <a:rPr lang="en-US" dirty="0"/>
+              <a:t>help</a:t>
+            </a:r>
+            <a:endParaRPr lang="ru-RU" dirty="0"/>
+          </a:p>
+        </p:txBody>
+      </p:sp>
+      <p:pic>
+        <p:nvPicPr>
+          <p:cNvPr id="5" name="Рисунок 4">
+            <a:extLst>
+              <a:ext uri="{FF2B5EF4-FFF2-40B4-BE49-F238E27FC236}">
+                <a16:creationId xmlns:a16="http://schemas.microsoft.com/office/drawing/2014/main" id="{BA8799C4-6DF2-4248-BCCB-30BCB3644AD8}"/>
+              </a:ext>
+            </a:extLst>
+          </p:cNvPr>
+          <p:cNvPicPr>
+            <a:picLocks noChangeAspect="1"/>
+          </p:cNvPicPr>
+          <p:nvPr/>
+        </p:nvPicPr>
+        <p:blipFill>
+          <a:blip r:embed="rId2"/>
+          <a:stretch>
+            <a:fillRect/>
+          </a:stretch>
+        </p:blipFill>
+        <p:spPr>
+          <a:xfrm>
+            <a:off x="514436" y="3592959"/>
+            <a:ext cx="5621338" cy="1951929"/>
+          </a:xfrm>
+          <a:prstGeom prst="rect">
+            <a:avLst/>
+          </a:prstGeom>
+        </p:spPr>
+      </p:pic>
+      <p:pic>
+        <p:nvPicPr>
+          <p:cNvPr id="7" name="Рисунок 6">
+            <a:extLst>
+              <a:ext uri="{FF2B5EF4-FFF2-40B4-BE49-F238E27FC236}">
+                <a16:creationId xmlns:a16="http://schemas.microsoft.com/office/drawing/2014/main" id="{406BAD89-06D9-400B-8050-36EEF68E7FE6}"/>
+              </a:ext>
+            </a:extLst>
+          </p:cNvPr>
+          <p:cNvPicPr>
+            <a:picLocks noChangeAspect="1"/>
+          </p:cNvPicPr>
+          <p:nvPr/>
+        </p:nvPicPr>
+        <p:blipFill>
+          <a:blip r:embed="rId3"/>
+          <a:stretch>
+            <a:fillRect/>
+          </a:stretch>
+        </p:blipFill>
+        <p:spPr>
+          <a:xfrm>
+            <a:off x="6199391" y="3592959"/>
+            <a:ext cx="5789434" cy="1951929"/>
+          </a:xfrm>
+          <a:prstGeom prst="rect">
+            <a:avLst/>
+          </a:prstGeom>
+        </p:spPr>
+      </p:pic>
+    </p:spTree>
+    <p:extLst>
+      <p:ext uri="{BB962C8B-B14F-4D97-AF65-F5344CB8AC3E}">
+        <p14:creationId xmlns:p14="http://schemas.microsoft.com/office/powerpoint/2010/main" val="3732830989"/>
+      </p:ext>
+    </p:extLst>
+  </p:cSld>
+  <p:clrMapOvr>
+    <a:masterClrMapping/>
+  </p:clrMapOvr>
+</p:sld>
+</file>
+
+<file path=ppt/slides/slide8.xml><?xml version="1.0" encoding="utf-8"?>
+<p:sld xmlns:a="http://schemas.openxmlformats.org/drawingml/2006/main" xmlns:r="http://schemas.openxmlformats.org/officeDocument/2006/relationships" xmlns:p="http://schemas.openxmlformats.org/presentationml/2006/main">
+  <p:cSld>
+    <p:spTree>
+      <p:nvGrpSpPr>
+        <p:cNvPr id="1" name=""/>
+        <p:cNvGrpSpPr/>
+        <p:nvPr/>
+      </p:nvGrpSpPr>
+      <p:grpSpPr>
+        <a:xfrm>
+          <a:off x="0" y="0"/>
+          <a:ext cx="0" cy="0"/>
+          <a:chOff x="0" y="0"/>
+          <a:chExt cx="0" cy="0"/>
+        </a:xfrm>
+      </p:grpSpPr>
+      <p:sp>
+        <p:nvSpPr>
+          <p:cNvPr id="2" name="Заголовок 1">
+            <a:extLst>
+              <a:ext uri="{FF2B5EF4-FFF2-40B4-BE49-F238E27FC236}">
+                <a16:creationId xmlns:a16="http://schemas.microsoft.com/office/drawing/2014/main" id="{C68A190D-676B-47F3-8786-0C6545B3EBF2}"/>
+              </a:ext>
+            </a:extLst>
+          </p:cNvPr>
+          <p:cNvSpPr>
+            <a:spLocks noGrp="1"/>
+          </p:cNvSpPr>
+          <p:nvPr>
+            <p:ph type="title"/>
+          </p:nvPr>
+        </p:nvSpPr>
+        <p:spPr/>
+        <p:txBody>
+          <a:bodyPr/>
+          <a:lstStyle/>
+          <a:p>
+            <a:r>
+              <a:rPr lang="ru-RU" dirty="0"/>
+              <a:t>Смена языковой пары</a:t>
+            </a:r>
+          </a:p>
+        </p:txBody>
+      </p:sp>
+      <p:sp>
+        <p:nvSpPr>
+          <p:cNvPr id="3" name="Объект 2">
+            <a:extLst>
+              <a:ext uri="{FF2B5EF4-FFF2-40B4-BE49-F238E27FC236}">
+                <a16:creationId xmlns:a16="http://schemas.microsoft.com/office/drawing/2014/main" id="{56D8938A-FA4B-49D6-8222-F213422F94A5}"/>
+              </a:ext>
+            </a:extLst>
+          </p:cNvPr>
+          <p:cNvSpPr>
+            <a:spLocks noGrp="1"/>
+          </p:cNvSpPr>
+          <p:nvPr>
+            <p:ph idx="1"/>
+          </p:nvPr>
+        </p:nvSpPr>
+        <p:spPr>
+          <a:xfrm>
+            <a:off x="818712" y="2222288"/>
+            <a:ext cx="10554574" cy="1361422"/>
+          </a:xfrm>
+        </p:spPr>
+        <p:txBody>
+          <a:bodyPr/>
+          <a:lstStyle/>
+          <a:p>
+            <a:r>
+              <a:rPr lang="ru-RU" dirty="0"/>
+              <a:t>По команде </a:t>
+            </a:r>
+            <a:r>
+              <a:rPr lang="en-US" dirty="0"/>
+              <a:t>/</a:t>
+            </a:r>
+            <a:r>
+              <a:rPr lang="en-US" dirty="0" err="1"/>
+              <a:t>set_lang</a:t>
+            </a:r>
+            <a:r>
+              <a:rPr lang="ru-RU" dirty="0"/>
+              <a:t> мы можем изменить языковую пару, т. е. изменить язык текста и язык</a:t>
+            </a:r>
+          </a:p>
+        </p:txBody>
+      </p:sp>
+      <p:pic>
+        <p:nvPicPr>
+          <p:cNvPr id="5" name="Рисунок 4">
+            <a:extLst>
+              <a:ext uri="{FF2B5EF4-FFF2-40B4-BE49-F238E27FC236}">
+                <a16:creationId xmlns:a16="http://schemas.microsoft.com/office/drawing/2014/main" id="{B8957A15-68DA-4ADB-8DB8-8325B7EE1385}"/>
+              </a:ext>
+            </a:extLst>
+          </p:cNvPr>
+          <p:cNvPicPr>
+            <a:picLocks noChangeAspect="1"/>
+          </p:cNvPicPr>
+          <p:nvPr/>
+        </p:nvPicPr>
+        <p:blipFill>
+          <a:blip r:embed="rId2"/>
+          <a:stretch>
+            <a:fillRect/>
+          </a:stretch>
+        </p:blipFill>
+        <p:spPr>
+          <a:xfrm>
+            <a:off x="690563" y="3742826"/>
+            <a:ext cx="10554574" cy="1570681"/>
+          </a:xfrm>
+          <a:prstGeom prst="rect">
+            <a:avLst/>
+          </a:prstGeom>
+        </p:spPr>
+      </p:pic>
+    </p:spTree>
+    <p:extLst>
+      <p:ext uri="{BB962C8B-B14F-4D97-AF65-F5344CB8AC3E}">
+        <p14:creationId xmlns:p14="http://schemas.microsoft.com/office/powerpoint/2010/main" val="3632756186"/>
+      </p:ext>
+    </p:extLst>
+  </p:cSld>
+  <p:clrMapOvr>
+    <a:masterClrMapping/>
+  </p:clrMapOvr>
+</p:sld>
+</file>
+
+<file path=ppt/slides/slide9.xml><?xml version="1.0" encoding="utf-8"?>
+<p:sld xmlns:a="http://schemas.openxmlformats.org/drawingml/2006/main" xmlns:r="http://schemas.openxmlformats.org/officeDocument/2006/relationships" xmlns:p="http://schemas.openxmlformats.org/presentationml/2006/main">
+  <p:cSld>
+    <p:spTree>
+      <p:nvGrpSpPr>
+        <p:cNvPr id="1" name=""/>
+        <p:cNvGrpSpPr/>
+        <p:nvPr/>
+      </p:nvGrpSpPr>
+      <p:grpSpPr>
+        <a:xfrm>
+          <a:off x="0" y="0"/>
+          <a:ext cx="0" cy="0"/>
+          <a:chOff x="0" y="0"/>
+          <a:chExt cx="0" cy="0"/>
+        </a:xfrm>
+      </p:grpSpPr>
+      <p:sp>
+        <p:nvSpPr>
+          <p:cNvPr id="2" name="Заголовок 1">
+            <a:extLst>
+              <a:ext uri="{FF2B5EF4-FFF2-40B4-BE49-F238E27FC236}">
+                <a16:creationId xmlns:a16="http://schemas.microsoft.com/office/drawing/2014/main" id="{D86FDCAA-E7B1-4326-8351-48712370EC6B}"/>
+              </a:ext>
+            </a:extLst>
+          </p:cNvPr>
+          <p:cNvSpPr>
+            <a:spLocks noGrp="1"/>
+          </p:cNvSpPr>
+          <p:nvPr>
+            <p:ph type="title"/>
+          </p:nvPr>
+        </p:nvSpPr>
+        <p:spPr/>
+        <p:txBody>
+          <a:bodyPr/>
+          <a:lstStyle/>
+          <a:p>
+            <a:r>
+              <a:rPr lang="ru-RU" dirty="0"/>
+              <a:t>Список поддерживаемых языков</a:t>
+            </a:r>
+          </a:p>
+        </p:txBody>
+      </p:sp>
+      <p:sp>
+        <p:nvSpPr>
+          <p:cNvPr id="3" name="Объект 2">
+            <a:extLst>
+              <a:ext uri="{FF2B5EF4-FFF2-40B4-BE49-F238E27FC236}">
+                <a16:creationId xmlns:a16="http://schemas.microsoft.com/office/drawing/2014/main" id="{F715D322-4F01-44BE-83C1-F1A7BB342937}"/>
+              </a:ext>
+            </a:extLst>
+          </p:cNvPr>
+          <p:cNvSpPr>
+            <a:spLocks noGrp="1"/>
+          </p:cNvSpPr>
+          <p:nvPr>
+            <p:ph idx="1"/>
+          </p:nvPr>
+        </p:nvSpPr>
+        <p:spPr>
+          <a:xfrm>
+            <a:off x="818712" y="2012737"/>
+            <a:ext cx="10554574" cy="1416263"/>
+          </a:xfrm>
+        </p:spPr>
+        <p:txBody>
+          <a:bodyPr>
+            <a:normAutofit/>
+          </a:bodyPr>
+          <a:lstStyle/>
+          <a:p>
+            <a:r>
+              <a:rPr lang="ru-RU" sz="2000" dirty="0"/>
+              <a:t>Для смены языка обязательно нужно знать его </a:t>
+            </a:r>
+            <a:r>
+              <a:rPr lang="en-US" sz="2000" dirty="0"/>
+              <a:t>ISO </a:t>
+            </a:r>
+            <a:r>
+              <a:rPr lang="ru-RU" sz="2000" dirty="0"/>
+              <a:t>код. А получить коды всех поддерживаемых языков</a:t>
+            </a:r>
+            <a:r>
+              <a:rPr lang="en-US" sz="2000" dirty="0"/>
+              <a:t> (</a:t>
+            </a:r>
+            <a:r>
+              <a:rPr lang="ru-RU" sz="2000" dirty="0"/>
+              <a:t>100+) нам поможет команда </a:t>
+            </a:r>
+            <a:r>
+              <a:rPr lang="en-US" sz="2000" dirty="0"/>
+              <a:t>/languages</a:t>
+            </a:r>
+            <a:endParaRPr lang="ru-RU" sz="2000" dirty="0"/>
+          </a:p>
+        </p:txBody>
+      </p:sp>
+      <p:pic>
+        <p:nvPicPr>
+          <p:cNvPr id="5" name="Рисунок 4">
+            <a:extLst>
+              <a:ext uri="{FF2B5EF4-FFF2-40B4-BE49-F238E27FC236}">
+                <a16:creationId xmlns:a16="http://schemas.microsoft.com/office/drawing/2014/main" id="{6AADEEF6-3192-4A1D-9092-EE90D7AFA1EB}"/>
+              </a:ext>
+            </a:extLst>
+          </p:cNvPr>
+          <p:cNvPicPr>
+            <a:picLocks noChangeAspect="1"/>
+          </p:cNvPicPr>
+          <p:nvPr/>
+        </p:nvPicPr>
+        <p:blipFill>
+          <a:blip r:embed="rId2"/>
+          <a:stretch>
+            <a:fillRect/>
+          </a:stretch>
+        </p:blipFill>
+        <p:spPr>
+          <a:xfrm>
+            <a:off x="2881312" y="3261728"/>
+            <a:ext cx="5910263" cy="3367671"/>
+          </a:xfrm>
+          <a:prstGeom prst="rect">
+            <a:avLst/>
+          </a:prstGeom>
+        </p:spPr>
+      </p:pic>
+    </p:spTree>
+    <p:extLst>
+      <p:ext uri="{BB962C8B-B14F-4D97-AF65-F5344CB8AC3E}">
+        <p14:creationId xmlns:p14="http://schemas.microsoft.com/office/powerpoint/2010/main" val="3995212000"/>
       </p:ext>
     </p:extLst>
   </p:cSld>

--- a/Презентация и записка/Презентация.pptx
+++ b/Презентация и записка/Презентация.pptx
@@ -218,7 +218,7 @@
           <a:effectLst/>
           <a:extLst>
             <a:ext uri="{91240B29-F687-4f45-9708-019B960494DF}">
-              <a14:hiddenLine xmlns:a14="http://schemas.microsoft.com/office/drawing/2010/main" xmlns="" w="9525">
+              <a14:hiddenLine xmlns="" xmlns:a14="http://schemas.microsoft.com/office/drawing/2010/main" w="9525">
                 <a:solidFill>
                   <a:srgbClr val="000000"/>
                 </a:solidFill>
@@ -410,7 +410,7 @@
           <a:p>
             <a:fld id="{D7F0A478-1AE4-42D6-B0D1-A0397DB76C21}" type="datetimeFigureOut">
               <a:rPr lang="ru-RU" smtClean="0"/>
-              <a:t>30.05.2021</a:t>
+              <a:t>31.05.2021</a:t>
             </a:fld>
             <a:endParaRPr lang="ru-RU"/>
           </a:p>
@@ -728,7 +728,7 @@
           <a:p>
             <a:fld id="{D7F0A478-1AE4-42D6-B0D1-A0397DB76C21}" type="datetimeFigureOut">
               <a:rPr lang="ru-RU" smtClean="0"/>
-              <a:t>30.05.2021</a:t>
+              <a:t>31.05.2021</a:t>
             </a:fld>
             <a:endParaRPr lang="ru-RU"/>
           </a:p>
@@ -1216,7 +1216,7 @@
           <a:p>
             <a:fld id="{D7F0A478-1AE4-42D6-B0D1-A0397DB76C21}" type="datetimeFigureOut">
               <a:rPr lang="ru-RU" smtClean="0"/>
-              <a:t>30.05.2021</a:t>
+              <a:t>31.05.2021</a:t>
             </a:fld>
             <a:endParaRPr lang="ru-RU"/>
           </a:p>
@@ -1585,7 +1585,7 @@
           <a:p>
             <a:fld id="{D7F0A478-1AE4-42D6-B0D1-A0397DB76C21}" type="datetimeFigureOut">
               <a:rPr lang="ru-RU" smtClean="0"/>
-              <a:t>30.05.2021</a:t>
+              <a:t>31.05.2021</a:t>
             </a:fld>
             <a:endParaRPr lang="ru-RU"/>
           </a:p>
@@ -1740,7 +1740,7 @@
           <a:ln/>
           <a:extLst>
             <a:ext uri="{91240B29-F687-4f45-9708-019B960494DF}">
-              <a14:hiddenLine xmlns:a14="http://schemas.microsoft.com/office/drawing/2010/main" xmlns="" w="9525">
+              <a14:hiddenLine xmlns="" xmlns:a14="http://schemas.microsoft.com/office/drawing/2010/main" w="9525">
                 <a:solidFill>
                   <a:srgbClr val="000000"/>
                 </a:solidFill>
@@ -1858,7 +1858,7 @@
           <a:p>
             <a:fld id="{D7F0A478-1AE4-42D6-B0D1-A0397DB76C21}" type="datetimeFigureOut">
               <a:rPr lang="ru-RU" smtClean="0"/>
-              <a:t>30.05.2021</a:t>
+              <a:t>31.05.2021</a:t>
             </a:fld>
             <a:endParaRPr lang="ru-RU"/>
           </a:p>
@@ -2015,7 +2015,7 @@
           <a:ln/>
           <a:extLst>
             <a:ext uri="{91240B29-F687-4f45-9708-019B960494DF}">
-              <a14:hiddenLine xmlns:a14="http://schemas.microsoft.com/office/drawing/2010/main" xmlns="" w="9525">
+              <a14:hiddenLine xmlns="" xmlns:a14="http://schemas.microsoft.com/office/drawing/2010/main" w="9525">
                 <a:solidFill>
                   <a:srgbClr val="000000"/>
                 </a:solidFill>
@@ -2143,7 +2143,7 @@
           <a:p>
             <a:fld id="{D7F0A478-1AE4-42D6-B0D1-A0397DB76C21}" type="datetimeFigureOut">
               <a:rPr lang="ru-RU" smtClean="0"/>
-              <a:t>30.05.2021</a:t>
+              <a:t>31.05.2021</a:t>
             </a:fld>
             <a:endParaRPr lang="ru-RU"/>
           </a:p>
@@ -2298,7 +2298,7 @@
           <a:ln/>
           <a:extLst>
             <a:ext uri="{91240B29-F687-4f45-9708-019B960494DF}">
-              <a14:hiddenLine xmlns:a14="http://schemas.microsoft.com/office/drawing/2010/main" xmlns="" w="9525">
+              <a14:hiddenLine xmlns="" xmlns:a14="http://schemas.microsoft.com/office/drawing/2010/main" w="9525">
                 <a:solidFill>
                   <a:srgbClr val="000000"/>
                 </a:solidFill>
@@ -2426,7 +2426,7 @@
           <a:p>
             <a:fld id="{D7F0A478-1AE4-42D6-B0D1-A0397DB76C21}" type="datetimeFigureOut">
               <a:rPr lang="ru-RU" smtClean="0"/>
-              <a:t>30.05.2021</a:t>
+              <a:t>31.05.2021</a:t>
             </a:fld>
             <a:endParaRPr lang="ru-RU"/>
           </a:p>
@@ -2769,7 +2769,7 @@
           <a:p>
             <a:fld id="{D7F0A478-1AE4-42D6-B0D1-A0397DB76C21}" type="datetimeFigureOut">
               <a:rPr lang="ru-RU" smtClean="0"/>
-              <a:t>30.05.2021</a:t>
+              <a:t>31.05.2021</a:t>
             </a:fld>
             <a:endParaRPr lang="ru-RU"/>
           </a:p>
@@ -2924,7 +2924,7 @@
           <a:ln/>
           <a:extLst>
             <a:ext uri="{91240B29-F687-4f45-9708-019B960494DF}">
-              <a14:hiddenLine xmlns:a14="http://schemas.microsoft.com/office/drawing/2010/main" xmlns="" w="9525">
+              <a14:hiddenLine xmlns="" xmlns:a14="http://schemas.microsoft.com/office/drawing/2010/main" w="9525">
                 <a:solidFill>
                   <a:srgbClr val="000000"/>
                 </a:solidFill>
@@ -3108,7 +3108,7 @@
           <a:p>
             <a:fld id="{D7F0A478-1AE4-42D6-B0D1-A0397DB76C21}" type="datetimeFigureOut">
               <a:rPr lang="ru-RU" smtClean="0"/>
-              <a:t>30.05.2021</a:t>
+              <a:t>31.05.2021</a:t>
             </a:fld>
             <a:endParaRPr lang="ru-RU"/>
           </a:p>
@@ -3263,7 +3263,7 @@
           <a:ln/>
           <a:extLst>
             <a:ext uri="{91240B29-F687-4f45-9708-019B960494DF}">
-              <a14:hiddenLine xmlns:a14="http://schemas.microsoft.com/office/drawing/2010/main" xmlns="" w="9525">
+              <a14:hiddenLine xmlns="" xmlns:a14="http://schemas.microsoft.com/office/drawing/2010/main" w="9525">
                 <a:solidFill>
                   <a:srgbClr val="000000"/>
                 </a:solidFill>
@@ -3585,7 +3585,7 @@
           <a:p>
             <a:fld id="{D7F0A478-1AE4-42D6-B0D1-A0397DB76C21}" type="datetimeFigureOut">
               <a:rPr lang="ru-RU" smtClean="0"/>
-              <a:t>30.05.2021</a:t>
+              <a:t>31.05.2021</a:t>
             </a:fld>
             <a:endParaRPr lang="ru-RU"/>
           </a:p>
@@ -3740,7 +3740,7 @@
           <a:ln/>
           <a:extLst>
             <a:ext uri="{91240B29-F687-4f45-9708-019B960494DF}">
-              <a14:hiddenLine xmlns:a14="http://schemas.microsoft.com/office/drawing/2010/main" xmlns="" w="9525">
+              <a14:hiddenLine xmlns="" xmlns:a14="http://schemas.microsoft.com/office/drawing/2010/main" w="9525">
                 <a:solidFill>
                   <a:srgbClr val="000000"/>
                 </a:solidFill>
@@ -3806,7 +3806,7 @@
           <a:p>
             <a:fld id="{D7F0A478-1AE4-42D6-B0D1-A0397DB76C21}" type="datetimeFigureOut">
               <a:rPr lang="ru-RU" smtClean="0"/>
-              <a:t>30.05.2021</a:t>
+              <a:t>31.05.2021</a:t>
             </a:fld>
             <a:endParaRPr lang="ru-RU"/>
           </a:p>
@@ -3901,7 +3901,7 @@
           <a:p>
             <a:fld id="{D7F0A478-1AE4-42D6-B0D1-A0397DB76C21}" type="datetimeFigureOut">
               <a:rPr lang="ru-RU" smtClean="0"/>
-              <a:t>30.05.2021</a:t>
+              <a:t>31.05.2021</a:t>
             </a:fld>
             <a:endParaRPr lang="ru-RU"/>
           </a:p>
@@ -4169,7 +4169,7 @@
           <a:ln/>
           <a:extLst>
             <a:ext uri="{91240B29-F687-4f45-9708-019B960494DF}">
-              <a14:hiddenLine xmlns:a14="http://schemas.microsoft.com/office/drawing/2010/main" xmlns="" w="9525">
+              <a14:hiddenLine xmlns="" xmlns:a14="http://schemas.microsoft.com/office/drawing/2010/main" w="9525">
                 <a:solidFill>
                   <a:srgbClr val="000000"/>
                 </a:solidFill>
@@ -4368,7 +4368,7 @@
           <a:p>
             <a:fld id="{D7F0A478-1AE4-42D6-B0D1-A0397DB76C21}" type="datetimeFigureOut">
               <a:rPr lang="ru-RU" smtClean="0"/>
-              <a:t>30.05.2021</a:t>
+              <a:t>31.05.2021</a:t>
             </a:fld>
             <a:endParaRPr lang="ru-RU"/>
           </a:p>
@@ -4681,7 +4681,7 @@
           <a:p>
             <a:fld id="{D7F0A478-1AE4-42D6-B0D1-A0397DB76C21}" type="datetimeFigureOut">
               <a:rPr lang="ru-RU" smtClean="0"/>
-              <a:t>30.05.2021</a:t>
+              <a:t>31.05.2021</a:t>
             </a:fld>
             <a:endParaRPr lang="ru-RU"/>
           </a:p>
@@ -4951,7 +4951,7 @@
           <a:p>
             <a:fld id="{D7F0A478-1AE4-42D6-B0D1-A0397DB76C21}" type="datetimeFigureOut">
               <a:rPr lang="ru-RU" smtClean="0"/>
-              <a:t>30.05.2021</a:t>
+              <a:t>31.05.2021</a:t>
             </a:fld>
             <a:endParaRPr lang="ru-RU"/>
           </a:p>
@@ -6371,7 +6371,7 @@
         </p:nvSpPr>
         <p:spPr>
           <a:xfrm>
-            <a:off x="818712" y="2222288"/>
+            <a:off x="810000" y="2146377"/>
             <a:ext cx="10563286" cy="1056622"/>
           </a:xfrm>
         </p:spPr>
@@ -6386,10 +6386,17 @@
               <a:t>Так же есть возможность прослушать перевод по кнопке. Для этого использовалась библиотека </a:t>
             </a:r>
             <a:r>
+              <a:rPr lang="en-US" sz="2000" dirty="0" err="1"/>
+              <a:t>gTTs</a:t>
+            </a:r>
+            <a:r>
               <a:rPr lang="en-US" sz="2000" dirty="0"/>
-              <a:t>pyttsx3</a:t>
-            </a:r>
-            <a:endParaRPr lang="ru-RU" sz="2000" dirty="0"/>
+              <a:t>. </a:t>
+            </a:r>
+            <a:r>
+              <a:rPr lang="ru-RU" sz="2000" dirty="0"/>
+              <a:t>Озвучивает максимум 100 символов – оптимально для слабого интернет-соединения.</a:t>
+            </a:r>
           </a:p>
         </p:txBody>
       </p:sp>
@@ -6415,7 +6422,7 @@
         </p:blipFill>
         <p:spPr>
           <a:xfrm>
-            <a:off x="3721488" y="3147581"/>
+            <a:off x="3721487" y="3202999"/>
             <a:ext cx="4749024" cy="3553399"/>
           </a:xfrm>
           <a:prstGeom prst="rect">
